--- a/CoursePPT/chap2_xcode介绍.pptx
+++ b/CoursePPT/chap2_xcode介绍.pptx
@@ -12,7 +12,9 @@
     <p:sldId id="257" r:id="rId6"/>
     <p:sldId id="262" r:id="rId7"/>
     <p:sldId id="261" r:id="rId8"/>
-    <p:sldId id="258" r:id="rId9"/>
+    <p:sldId id="264" r:id="rId9"/>
+    <p:sldId id="265" r:id="rId10"/>
+    <p:sldId id="258" r:id="rId11"/>
   </p:sldIdLst>
   <p:sldSz cx="9144000" cy="6858000" type="screen4x3"/>
   <p:notesSz cx="6858000" cy="9144000"/>
@@ -3202,6 +3204,119 @@
 </p:sld>
 </file>
 
+<file path=ppt/slides/slide10.xml><?xml version="1.0" encoding="utf-8"?>
+<p:sld xmlns:a="http://schemas.openxmlformats.org/drawingml/2006/main" xmlns:r="http://schemas.openxmlformats.org/officeDocument/2006/relationships" xmlns:p="http://schemas.openxmlformats.org/presentationml/2006/main">
+  <p:cSld>
+    <p:spTree>
+      <p:nvGrpSpPr>
+        <p:cNvPr id="1" name=""/>
+        <p:cNvGrpSpPr/>
+        <p:nvPr/>
+      </p:nvGrpSpPr>
+      <p:grpSpPr>
+        <a:xfrm>
+          <a:off x="0" y="0"/>
+          <a:ext cx="0" cy="0"/>
+          <a:chOff x="0" y="0"/>
+          <a:chExt cx="0" cy="0"/>
+        </a:xfrm>
+      </p:grpSpPr>
+      <p:sp>
+        <p:nvSpPr>
+          <p:cNvPr id="2" name="标题 1"/>
+          <p:cNvSpPr>
+            <a:spLocks noGrp="1"/>
+          </p:cNvSpPr>
+          <p:nvPr>
+            <p:ph type="title"/>
+          </p:nvPr>
+        </p:nvSpPr>
+        <p:spPr/>
+        <p:txBody>
+          <a:bodyPr/>
+          <a:lstStyle/>
+          <a:p>
+            <a:r>
+              <a:rPr kumimoji="1" lang="zh-CN" altLang="en-US" dirty="0" smtClean="0"/>
+              <a:t>扩展阅读</a:t>
+            </a:r>
+            <a:endParaRPr kumimoji="1" lang="zh-CN" altLang="en-US" dirty="0"/>
+          </a:p>
+        </p:txBody>
+      </p:sp>
+      <p:sp>
+        <p:nvSpPr>
+          <p:cNvPr id="3" name="内容占位符 2"/>
+          <p:cNvSpPr>
+            <a:spLocks noGrp="1"/>
+          </p:cNvSpPr>
+          <p:nvPr>
+            <p:ph idx="1"/>
+          </p:nvPr>
+        </p:nvSpPr>
+        <p:spPr/>
+        <p:txBody>
+          <a:bodyPr/>
+          <a:lstStyle/>
+          <a:p>
+            <a:pPr marL="0" indent="0">
+              <a:buNone/>
+            </a:pPr>
+            <a:r>
+              <a:rPr kumimoji="1" lang="zh-CN" altLang="en-US" dirty="0" smtClean="0"/>
+              <a:t>动态和静态语言类型：</a:t>
+            </a:r>
+            <a:r>
+              <a:rPr kumimoji="1" lang="en-US" altLang="zh-CN" dirty="0" smtClean="0">
+                <a:hlinkClick r:id="rId2"/>
+              </a:rPr>
+              <a:t>http://blog.csdn.net/hengshujiyi/article/details/40657549</a:t>
+            </a:r>
+            <a:endParaRPr kumimoji="1" lang="en-US" altLang="zh-CN" dirty="0" smtClean="0"/>
+          </a:p>
+          <a:p>
+            <a:pPr marL="0" indent="0">
+              <a:buNone/>
+            </a:pPr>
+            <a:r>
+              <a:rPr kumimoji="1" lang="zh-CN" altLang="en-US" dirty="0" smtClean="0"/>
+              <a:t>数据类型：</a:t>
+            </a:r>
+            <a:r>
+              <a:rPr kumimoji="1" lang="en-US" altLang="zh-CN" dirty="0" smtClean="0">
+                <a:hlinkClick r:id="rId3"/>
+              </a:rPr>
+              <a:t>http://ycool.com/post/mqm6a97</a:t>
+            </a:r>
+            <a:endParaRPr kumimoji="1" lang="en-US" altLang="zh-CN" dirty="0" smtClean="0"/>
+          </a:p>
+          <a:p>
+            <a:pPr marL="0" indent="0">
+              <a:buNone/>
+            </a:pPr>
+            <a:endParaRPr kumimoji="1" lang="en-US" altLang="zh-CN" dirty="0" smtClean="0"/>
+          </a:p>
+          <a:p>
+            <a:pPr marL="0" indent="0">
+              <a:buNone/>
+            </a:pPr>
+            <a:endParaRPr kumimoji="1" lang="zh-CN" altLang="en-US" dirty="0"/>
+          </a:p>
+        </p:txBody>
+      </p:sp>
+    </p:spTree>
+    <p:extLst>
+      <p:ext uri="{BB962C8B-B14F-4D97-AF65-F5344CB8AC3E}">
+        <p14:creationId xmlns:p14="http://schemas.microsoft.com/office/powerpoint/2010/main" val="2400882548"/>
+      </p:ext>
+    </p:extLst>
+  </p:cSld>
+  <p:clrMapOvr>
+    <a:masterClrMapping/>
+  </p:clrMapOvr>
+</p:sld>
+</file>
+
 <file path=ppt/slides/slide2.xml><?xml version="1.0" encoding="utf-8"?>
 <p:sld xmlns:a="http://schemas.openxmlformats.org/drawingml/2006/main" xmlns:r="http://schemas.openxmlformats.org/officeDocument/2006/relationships" xmlns:p="http://schemas.openxmlformats.org/presentationml/2006/main">
   <p:cSld>
@@ -4074,7 +4189,7 @@
           <a:p>
             <a:r>
               <a:rPr kumimoji="1" lang="zh-CN" altLang="en-US" dirty="0" smtClean="0"/>
-              <a:t>扩展阅读</a:t>
+              <a:t>程序的生命周期</a:t>
             </a:r>
             <a:endParaRPr kumimoji="1" lang="zh-CN" altLang="en-US" dirty="0"/>
           </a:p>
@@ -4095,55 +4210,90 @@
           <a:bodyPr/>
           <a:lstStyle/>
           <a:p>
-            <a:pPr marL="0" indent="0">
-              <a:buNone/>
-            </a:pPr>
-            <a:r>
-              <a:rPr kumimoji="1" lang="zh-CN" altLang="en-US" dirty="0" smtClean="0"/>
-              <a:t>动态和静态语言类型：</a:t>
-            </a:r>
-            <a:r>
-              <a:rPr kumimoji="1" lang="en-US" altLang="zh-CN" dirty="0" smtClean="0">
-                <a:hlinkClick r:id="rId2"/>
-              </a:rPr>
-              <a:t>http://blog.csdn.net/hengshujiyi/article/details/40657549</a:t>
-            </a:r>
-            <a:endParaRPr kumimoji="1" lang="en-US" altLang="zh-CN" dirty="0" smtClean="0"/>
-          </a:p>
-          <a:p>
-            <a:pPr marL="0" indent="0">
-              <a:buNone/>
-            </a:pPr>
-            <a:r>
-              <a:rPr kumimoji="1" lang="zh-CN" altLang="en-US" dirty="0" smtClean="0"/>
-              <a:t>数据类型：</a:t>
-            </a:r>
-            <a:r>
-              <a:rPr kumimoji="1" lang="en-US" altLang="zh-CN" dirty="0" smtClean="0">
-                <a:hlinkClick r:id="rId3"/>
-              </a:rPr>
-              <a:t>http://ycool.com/post/mqm6a97</a:t>
-            </a:r>
-            <a:endParaRPr kumimoji="1" lang="en-US" altLang="zh-CN" dirty="0" smtClean="0"/>
-          </a:p>
-          <a:p>
-            <a:pPr marL="0" indent="0">
-              <a:buNone/>
-            </a:pPr>
-            <a:endParaRPr kumimoji="1" lang="en-US" altLang="zh-CN" dirty="0" smtClean="0"/>
-          </a:p>
-          <a:p>
-            <a:pPr marL="0" indent="0">
-              <a:buNone/>
-            </a:pPr>
-            <a:endParaRPr kumimoji="1" lang="zh-CN" altLang="en-US" dirty="0"/>
+            <a:endParaRPr kumimoji="1" lang="zh-CN" altLang="en-US"/>
           </a:p>
         </p:txBody>
       </p:sp>
     </p:spTree>
     <p:extLst>
       <p:ext uri="{BB962C8B-B14F-4D97-AF65-F5344CB8AC3E}">
-        <p14:creationId xmlns:p14="http://schemas.microsoft.com/office/powerpoint/2010/main" val="2400882548"/>
+        <p14:creationId xmlns:p14="http://schemas.microsoft.com/office/powerpoint/2010/main" val="3331063213"/>
+      </p:ext>
+    </p:extLst>
+  </p:cSld>
+  <p:clrMapOvr>
+    <a:masterClrMapping/>
+  </p:clrMapOvr>
+</p:sld>
+</file>
+
+<file path=ppt/slides/slide9.xml><?xml version="1.0" encoding="utf-8"?>
+<p:sld xmlns:a="http://schemas.openxmlformats.org/drawingml/2006/main" xmlns:r="http://schemas.openxmlformats.org/officeDocument/2006/relationships" xmlns:p="http://schemas.openxmlformats.org/presentationml/2006/main">
+  <p:cSld>
+    <p:spTree>
+      <p:nvGrpSpPr>
+        <p:cNvPr id="1" name=""/>
+        <p:cNvGrpSpPr/>
+        <p:nvPr/>
+      </p:nvGrpSpPr>
+      <p:grpSpPr>
+        <a:xfrm>
+          <a:off x="0" y="0"/>
+          <a:ext cx="0" cy="0"/>
+          <a:chOff x="0" y="0"/>
+          <a:chExt cx="0" cy="0"/>
+        </a:xfrm>
+      </p:grpSpPr>
+      <p:sp>
+        <p:nvSpPr>
+          <p:cNvPr id="2" name="标题 1"/>
+          <p:cNvSpPr>
+            <a:spLocks noGrp="1"/>
+          </p:cNvSpPr>
+          <p:nvPr>
+            <p:ph type="title"/>
+          </p:nvPr>
+        </p:nvSpPr>
+        <p:spPr/>
+        <p:txBody>
+          <a:bodyPr/>
+          <a:lstStyle/>
+          <a:p>
+            <a:r>
+              <a:rPr kumimoji="1" lang="en-US" altLang="zh-CN" dirty="0" smtClean="0"/>
+              <a:t>View</a:t>
+            </a:r>
+            <a:r>
+              <a:rPr kumimoji="1" lang="zh-CN" altLang="en-US" dirty="0" smtClean="0"/>
+              <a:t>的生命周期</a:t>
+            </a:r>
+            <a:endParaRPr kumimoji="1" lang="zh-CN" altLang="en-US" dirty="0"/>
+          </a:p>
+        </p:txBody>
+      </p:sp>
+      <p:sp>
+        <p:nvSpPr>
+          <p:cNvPr id="3" name="内容占位符 2"/>
+          <p:cNvSpPr>
+            <a:spLocks noGrp="1"/>
+          </p:cNvSpPr>
+          <p:nvPr>
+            <p:ph idx="1"/>
+          </p:nvPr>
+        </p:nvSpPr>
+        <p:spPr/>
+        <p:txBody>
+          <a:bodyPr/>
+          <a:lstStyle/>
+          <a:p>
+            <a:endParaRPr kumimoji="1" lang="zh-CN" altLang="en-US"/>
+          </a:p>
+        </p:txBody>
+      </p:sp>
+    </p:spTree>
+    <p:extLst>
+      <p:ext uri="{BB962C8B-B14F-4D97-AF65-F5344CB8AC3E}">
+        <p14:creationId xmlns:p14="http://schemas.microsoft.com/office/powerpoint/2010/main" val="2892287189"/>
       </p:ext>
     </p:extLst>
   </p:cSld>

--- a/CoursePPT/chap2_xcode介绍.pptx
+++ b/CoursePPT/chap2_xcode介绍.pptx
@@ -12,7 +12,12 @@
     <p:sldId id="257" r:id="rId6"/>
     <p:sldId id="262" r:id="rId7"/>
     <p:sldId id="261" r:id="rId8"/>
-    <p:sldId id="258" r:id="rId9"/>
+    <p:sldId id="264" r:id="rId9"/>
+    <p:sldId id="268" r:id="rId10"/>
+    <p:sldId id="267" r:id="rId11"/>
+    <p:sldId id="266" r:id="rId12"/>
+    <p:sldId id="265" r:id="rId13"/>
+    <p:sldId id="258" r:id="rId14"/>
   </p:sldIdLst>
   <p:sldSz cx="9144000" cy="6858000" type="screen4x3"/>
   <p:notesSz cx="6858000" cy="9144000"/>
@@ -295,7 +300,7 @@
           <a:p>
             <a:fld id="{76945DF7-FE8C-4A4A-9854-65633AA23159}" type="datetimeFigureOut">
               <a:rPr kumimoji="1" lang="zh-CN" altLang="en-US" smtClean="0"/>
-              <a:t>11/23/15</a:t>
+              <a:t>11/24/15</a:t>
             </a:fld>
             <a:endParaRPr kumimoji="1" lang="zh-CN" altLang="en-US"/>
           </a:p>
@@ -465,7 +470,7 @@
           <a:p>
             <a:fld id="{76945DF7-FE8C-4A4A-9854-65633AA23159}" type="datetimeFigureOut">
               <a:rPr kumimoji="1" lang="zh-CN" altLang="en-US" smtClean="0"/>
-              <a:t>11/23/15</a:t>
+              <a:t>11/24/15</a:t>
             </a:fld>
             <a:endParaRPr kumimoji="1" lang="zh-CN" altLang="en-US"/>
           </a:p>
@@ -645,7 +650,7 @@
           <a:p>
             <a:fld id="{76945DF7-FE8C-4A4A-9854-65633AA23159}" type="datetimeFigureOut">
               <a:rPr kumimoji="1" lang="zh-CN" altLang="en-US" smtClean="0"/>
-              <a:t>11/23/15</a:t>
+              <a:t>11/24/15</a:t>
             </a:fld>
             <a:endParaRPr kumimoji="1" lang="zh-CN" altLang="en-US"/>
           </a:p>
@@ -815,7 +820,7 @@
           <a:p>
             <a:fld id="{76945DF7-FE8C-4A4A-9854-65633AA23159}" type="datetimeFigureOut">
               <a:rPr kumimoji="1" lang="zh-CN" altLang="en-US" smtClean="0"/>
-              <a:t>11/23/15</a:t>
+              <a:t>11/24/15</a:t>
             </a:fld>
             <a:endParaRPr kumimoji="1" lang="zh-CN" altLang="en-US"/>
           </a:p>
@@ -1061,7 +1066,7 @@
           <a:p>
             <a:fld id="{76945DF7-FE8C-4A4A-9854-65633AA23159}" type="datetimeFigureOut">
               <a:rPr kumimoji="1" lang="zh-CN" altLang="en-US" smtClean="0"/>
-              <a:t>11/23/15</a:t>
+              <a:t>11/24/15</a:t>
             </a:fld>
             <a:endParaRPr kumimoji="1" lang="zh-CN" altLang="en-US"/>
           </a:p>
@@ -1349,7 +1354,7 @@
           <a:p>
             <a:fld id="{76945DF7-FE8C-4A4A-9854-65633AA23159}" type="datetimeFigureOut">
               <a:rPr kumimoji="1" lang="zh-CN" altLang="en-US" smtClean="0"/>
-              <a:t>11/23/15</a:t>
+              <a:t>11/24/15</a:t>
             </a:fld>
             <a:endParaRPr kumimoji="1" lang="zh-CN" altLang="en-US"/>
           </a:p>
@@ -1771,7 +1776,7 @@
           <a:p>
             <a:fld id="{76945DF7-FE8C-4A4A-9854-65633AA23159}" type="datetimeFigureOut">
               <a:rPr kumimoji="1" lang="zh-CN" altLang="en-US" smtClean="0"/>
-              <a:t>11/23/15</a:t>
+              <a:t>11/24/15</a:t>
             </a:fld>
             <a:endParaRPr kumimoji="1" lang="zh-CN" altLang="en-US"/>
           </a:p>
@@ -1889,7 +1894,7 @@
           <a:p>
             <a:fld id="{76945DF7-FE8C-4A4A-9854-65633AA23159}" type="datetimeFigureOut">
               <a:rPr kumimoji="1" lang="zh-CN" altLang="en-US" smtClean="0"/>
-              <a:t>11/23/15</a:t>
+              <a:t>11/24/15</a:t>
             </a:fld>
             <a:endParaRPr kumimoji="1" lang="zh-CN" altLang="en-US"/>
           </a:p>
@@ -1984,7 +1989,7 @@
           <a:p>
             <a:fld id="{76945DF7-FE8C-4A4A-9854-65633AA23159}" type="datetimeFigureOut">
               <a:rPr kumimoji="1" lang="zh-CN" altLang="en-US" smtClean="0"/>
-              <a:t>11/23/15</a:t>
+              <a:t>11/24/15</a:t>
             </a:fld>
             <a:endParaRPr kumimoji="1" lang="zh-CN" altLang="en-US"/>
           </a:p>
@@ -2261,7 +2266,7 @@
           <a:p>
             <a:fld id="{76945DF7-FE8C-4A4A-9854-65633AA23159}" type="datetimeFigureOut">
               <a:rPr kumimoji="1" lang="zh-CN" altLang="en-US" smtClean="0"/>
-              <a:t>11/23/15</a:t>
+              <a:t>11/24/15</a:t>
             </a:fld>
             <a:endParaRPr kumimoji="1" lang="zh-CN" altLang="en-US"/>
           </a:p>
@@ -2514,7 +2519,7 @@
           <a:p>
             <a:fld id="{76945DF7-FE8C-4A4A-9854-65633AA23159}" type="datetimeFigureOut">
               <a:rPr kumimoji="1" lang="zh-CN" altLang="en-US" smtClean="0"/>
-              <a:t>11/23/15</a:t>
+              <a:t>11/24/15</a:t>
             </a:fld>
             <a:endParaRPr kumimoji="1" lang="zh-CN" altLang="en-US"/>
           </a:p>
@@ -2727,7 +2732,7 @@
           <a:p>
             <a:fld id="{76945DF7-FE8C-4A4A-9854-65633AA23159}" type="datetimeFigureOut">
               <a:rPr kumimoji="1" lang="zh-CN" altLang="en-US" smtClean="0"/>
-              <a:t>11/23/15</a:t>
+              <a:t>11/24/15</a:t>
             </a:fld>
             <a:endParaRPr kumimoji="1" lang="zh-CN" altLang="en-US"/>
           </a:p>
@@ -3202,6 +3207,540 @@
 </p:sld>
 </file>
 
+<file path=ppt/slides/slide10.xml><?xml version="1.0" encoding="utf-8"?>
+<p:sld xmlns:a="http://schemas.openxmlformats.org/drawingml/2006/main" xmlns:r="http://schemas.openxmlformats.org/officeDocument/2006/relationships" xmlns:p="http://schemas.openxmlformats.org/presentationml/2006/main">
+  <p:cSld>
+    <p:spTree>
+      <p:nvGrpSpPr>
+        <p:cNvPr id="1" name=""/>
+        <p:cNvGrpSpPr/>
+        <p:nvPr/>
+      </p:nvGrpSpPr>
+      <p:grpSpPr>
+        <a:xfrm>
+          <a:off x="0" y="0"/>
+          <a:ext cx="0" cy="0"/>
+          <a:chOff x="0" y="0"/>
+          <a:chExt cx="0" cy="0"/>
+        </a:xfrm>
+      </p:grpSpPr>
+      <p:sp>
+        <p:nvSpPr>
+          <p:cNvPr id="2" name="标题 1"/>
+          <p:cNvSpPr>
+            <a:spLocks noGrp="1"/>
+          </p:cNvSpPr>
+          <p:nvPr>
+            <p:ph type="title"/>
+          </p:nvPr>
+        </p:nvSpPr>
+        <p:spPr/>
+        <p:txBody>
+          <a:bodyPr>
+            <a:normAutofit/>
+          </a:bodyPr>
+          <a:lstStyle/>
+          <a:p>
+            <a:r>
+              <a:rPr lang="zh-CN" altLang="en-US" dirty="0"/>
+              <a:t>应用程序</a:t>
+            </a:r>
+            <a:r>
+              <a:rPr lang="zh-CN" altLang="en-US" dirty="0" smtClean="0"/>
+              <a:t>的状态</a:t>
+            </a:r>
+            <a:endParaRPr kumimoji="1" lang="zh-CN" altLang="en-US" dirty="0"/>
+          </a:p>
+        </p:txBody>
+      </p:sp>
+      <p:sp>
+        <p:nvSpPr>
+          <p:cNvPr id="3" name="内容占位符 2"/>
+          <p:cNvSpPr>
+            <a:spLocks noGrp="1"/>
+          </p:cNvSpPr>
+          <p:nvPr>
+            <p:ph idx="1"/>
+          </p:nvPr>
+        </p:nvSpPr>
+        <p:spPr/>
+        <p:txBody>
+          <a:bodyPr>
+            <a:normAutofit fontScale="92500" lnSpcReduction="20000"/>
+          </a:bodyPr>
+          <a:lstStyle/>
+          <a:p>
+            <a:pPr marL="0" indent="0">
+              <a:buNone/>
+            </a:pPr>
+            <a:r>
+              <a:rPr lang="en-US" altLang="zh-CN" dirty="0" smtClean="0"/>
+              <a:t>Not </a:t>
+            </a:r>
+            <a:r>
+              <a:rPr lang="en-US" altLang="zh-CN" dirty="0"/>
+              <a:t>running  </a:t>
+            </a:r>
+            <a:r>
+              <a:rPr lang="zh-CN" altLang="en-US" dirty="0"/>
+              <a:t>未运行   </a:t>
+            </a:r>
+            <a:endParaRPr lang="en-US" altLang="zh-CN" dirty="0"/>
+          </a:p>
+          <a:p>
+            <a:pPr marL="0" indent="0">
+              <a:buNone/>
+            </a:pPr>
+            <a:r>
+              <a:rPr lang="zh-CN" altLang="en-US" dirty="0"/>
+              <a:t>程序没启动</a:t>
+            </a:r>
+            <a:endParaRPr lang="en-US" altLang="zh-CN" dirty="0"/>
+          </a:p>
+          <a:p>
+            <a:pPr marL="0" indent="0">
+              <a:buNone/>
+            </a:pPr>
+            <a:endParaRPr lang="zh-CN" altLang="en-US" dirty="0"/>
+          </a:p>
+          <a:p>
+            <a:pPr marL="0" indent="0">
+              <a:buNone/>
+            </a:pPr>
+            <a:r>
+              <a:rPr lang="en-US" altLang="zh-CN" dirty="0"/>
+              <a:t>Inactive         </a:t>
+            </a:r>
+            <a:r>
+              <a:rPr lang="zh-CN" altLang="en-US" dirty="0"/>
+              <a:t>未激活   </a:t>
+            </a:r>
+            <a:endParaRPr lang="en-US" altLang="zh-CN" dirty="0"/>
+          </a:p>
+          <a:p>
+            <a:pPr marL="0" indent="0">
+              <a:buNone/>
+            </a:pPr>
+            <a:r>
+              <a:rPr lang="zh-CN" altLang="en-US" dirty="0"/>
+              <a:t>程序在前台运行，不过没有接收到事件。在没有事件处理情况下程序通常停留在这个状态</a:t>
+            </a:r>
+            <a:endParaRPr lang="en-US" altLang="zh-CN" dirty="0"/>
+          </a:p>
+          <a:p>
+            <a:pPr marL="0" indent="0">
+              <a:buNone/>
+            </a:pPr>
+            <a:endParaRPr lang="zh-CN" altLang="en-US" dirty="0"/>
+          </a:p>
+          <a:p>
+            <a:pPr marL="0" indent="0">
+              <a:buNone/>
+            </a:pPr>
+            <a:r>
+              <a:rPr lang="en-US" altLang="zh-CN" dirty="0"/>
+              <a:t>Active             </a:t>
+            </a:r>
+            <a:r>
+              <a:rPr lang="zh-CN" altLang="en-US" dirty="0"/>
+              <a:t>激活           </a:t>
+            </a:r>
+            <a:endParaRPr lang="en-US" altLang="zh-CN" dirty="0"/>
+          </a:p>
+          <a:p>
+            <a:pPr marL="0" indent="0">
+              <a:buNone/>
+            </a:pPr>
+            <a:r>
+              <a:rPr lang="zh-CN" altLang="en-US" dirty="0"/>
+              <a:t>程序在前台运行而且接收到了事件。这也是前台的一个正常的模式</a:t>
+            </a:r>
+            <a:endParaRPr lang="en-US" altLang="zh-CN" dirty="0"/>
+          </a:p>
+          <a:p>
+            <a:pPr marL="0" indent="0">
+              <a:buNone/>
+            </a:pPr>
+            <a:endParaRPr kumimoji="1" lang="zh-CN" altLang="en-US" dirty="0"/>
+          </a:p>
+        </p:txBody>
+      </p:sp>
+    </p:spTree>
+    <p:extLst>
+      <p:ext uri="{BB962C8B-B14F-4D97-AF65-F5344CB8AC3E}">
+        <p14:creationId xmlns:p14="http://schemas.microsoft.com/office/powerpoint/2010/main" val="2525488969"/>
+      </p:ext>
+    </p:extLst>
+  </p:cSld>
+  <p:clrMapOvr>
+    <a:masterClrMapping/>
+  </p:clrMapOvr>
+</p:sld>
+</file>
+
+<file path=ppt/slides/slide11.xml><?xml version="1.0" encoding="utf-8"?>
+<p:sld xmlns:a="http://schemas.openxmlformats.org/drawingml/2006/main" xmlns:r="http://schemas.openxmlformats.org/officeDocument/2006/relationships" xmlns:p="http://schemas.openxmlformats.org/presentationml/2006/main">
+  <p:cSld>
+    <p:spTree>
+      <p:nvGrpSpPr>
+        <p:cNvPr id="1" name=""/>
+        <p:cNvGrpSpPr/>
+        <p:nvPr/>
+      </p:nvGrpSpPr>
+      <p:grpSpPr>
+        <a:xfrm>
+          <a:off x="0" y="0"/>
+          <a:ext cx="0" cy="0"/>
+          <a:chOff x="0" y="0"/>
+          <a:chExt cx="0" cy="0"/>
+        </a:xfrm>
+      </p:grpSpPr>
+      <p:sp>
+        <p:nvSpPr>
+          <p:cNvPr id="2" name="标题 1"/>
+          <p:cNvSpPr>
+            <a:spLocks noGrp="1"/>
+          </p:cNvSpPr>
+          <p:nvPr>
+            <p:ph type="title"/>
+          </p:nvPr>
+        </p:nvSpPr>
+        <p:spPr/>
+        <p:txBody>
+          <a:bodyPr/>
+          <a:lstStyle/>
+          <a:p>
+            <a:endParaRPr kumimoji="1" lang="zh-CN" altLang="en-US"/>
+          </a:p>
+        </p:txBody>
+      </p:sp>
+      <p:sp>
+        <p:nvSpPr>
+          <p:cNvPr id="3" name="内容占位符 2"/>
+          <p:cNvSpPr>
+            <a:spLocks noGrp="1"/>
+          </p:cNvSpPr>
+          <p:nvPr>
+            <p:ph idx="1"/>
+          </p:nvPr>
+        </p:nvSpPr>
+        <p:spPr/>
+        <p:txBody>
+          <a:bodyPr>
+            <a:normAutofit fontScale="85000" lnSpcReduction="10000"/>
+          </a:bodyPr>
+          <a:lstStyle/>
+          <a:p>
+            <a:pPr marL="0" indent="0">
+              <a:buNone/>
+            </a:pPr>
+            <a:r>
+              <a:rPr lang="en-US" altLang="zh-CN" dirty="0" err="1"/>
+              <a:t>Backgroud</a:t>
+            </a:r>
+            <a:r>
+              <a:rPr lang="en-US" altLang="zh-CN" dirty="0"/>
+              <a:t>     </a:t>
+            </a:r>
+            <a:r>
+              <a:rPr lang="zh-CN" altLang="en-US" dirty="0"/>
+              <a:t>后台           </a:t>
+            </a:r>
+            <a:endParaRPr lang="en-US" altLang="zh-CN" dirty="0"/>
+          </a:p>
+          <a:p>
+            <a:pPr marL="0" indent="0">
+              <a:buNone/>
+            </a:pPr>
+            <a:r>
+              <a:rPr lang="zh-CN" altLang="en-US" dirty="0"/>
+              <a:t>程序在后台而且能执行代码，大多数程序进入这个状态后会在在这个状态上停留一会。时间到之后会进入挂起状态</a:t>
+            </a:r>
+            <a:r>
+              <a:rPr lang="en-US" altLang="zh-CN" dirty="0"/>
+              <a:t>(Suspended)</a:t>
+            </a:r>
+            <a:r>
+              <a:rPr lang="zh-CN" altLang="en-US" dirty="0"/>
+              <a:t>。有的程序经过特殊的请求后可以长期处于</a:t>
+            </a:r>
+            <a:r>
+              <a:rPr lang="en-US" altLang="zh-CN" dirty="0" err="1"/>
+              <a:t>Backgroud</a:t>
+            </a:r>
+            <a:r>
+              <a:rPr lang="zh-CN" altLang="en-US" dirty="0" smtClean="0"/>
+              <a:t>状态</a:t>
+            </a:r>
+            <a:endParaRPr lang="en-US" altLang="zh-CN" dirty="0" smtClean="0"/>
+          </a:p>
+          <a:p>
+            <a:pPr marL="0" indent="0">
+              <a:buNone/>
+            </a:pPr>
+            <a:endParaRPr lang="zh-CN" altLang="en-US" dirty="0"/>
+          </a:p>
+          <a:p>
+            <a:pPr marL="0" indent="0">
+              <a:buNone/>
+            </a:pPr>
+            <a:r>
+              <a:rPr lang="en-US" altLang="zh-CN" dirty="0"/>
+              <a:t>Suspended    </a:t>
+            </a:r>
+            <a:r>
+              <a:rPr lang="zh-CN" altLang="en-US" dirty="0"/>
+              <a:t>挂起           </a:t>
+            </a:r>
+            <a:endParaRPr lang="en-US" altLang="zh-CN" dirty="0"/>
+          </a:p>
+          <a:p>
+            <a:pPr marL="0" indent="0">
+              <a:buNone/>
+            </a:pPr>
+            <a:r>
+              <a:rPr lang="zh-CN" altLang="en-US" dirty="0"/>
+              <a:t>程序在后台不能执行代码。系统会自动把程序变成这个状态而且不会发出通知。当挂起时，程序还是停留在内存中的，当系统内存低时，系统就把挂起的程序清除掉，为前台程序提供更多的内存。</a:t>
+            </a:r>
+            <a:endParaRPr lang="en-US" altLang="zh-CN" dirty="0"/>
+          </a:p>
+          <a:p>
+            <a:endParaRPr kumimoji="1" lang="zh-CN" altLang="en-US" dirty="0"/>
+          </a:p>
+        </p:txBody>
+      </p:sp>
+    </p:spTree>
+    <p:extLst>
+      <p:ext uri="{BB962C8B-B14F-4D97-AF65-F5344CB8AC3E}">
+        <p14:creationId xmlns:p14="http://schemas.microsoft.com/office/powerpoint/2010/main" val="2154594952"/>
+      </p:ext>
+    </p:extLst>
+  </p:cSld>
+  <p:clrMapOvr>
+    <a:masterClrMapping/>
+  </p:clrMapOvr>
+</p:sld>
+</file>
+
+<file path=ppt/slides/slide12.xml><?xml version="1.0" encoding="utf-8"?>
+<p:sld xmlns:a="http://schemas.openxmlformats.org/drawingml/2006/main" xmlns:r="http://schemas.openxmlformats.org/officeDocument/2006/relationships" xmlns:p="http://schemas.openxmlformats.org/presentationml/2006/main">
+  <p:cSld>
+    <p:spTree>
+      <p:nvGrpSpPr>
+        <p:cNvPr id="1" name=""/>
+        <p:cNvGrpSpPr/>
+        <p:nvPr/>
+      </p:nvGrpSpPr>
+      <p:grpSpPr>
+        <a:xfrm>
+          <a:off x="0" y="0"/>
+          <a:ext cx="0" cy="0"/>
+          <a:chOff x="0" y="0"/>
+          <a:chExt cx="0" cy="0"/>
+        </a:xfrm>
+      </p:grpSpPr>
+      <p:sp>
+        <p:nvSpPr>
+          <p:cNvPr id="2" name="标题 1"/>
+          <p:cNvSpPr>
+            <a:spLocks noGrp="1"/>
+          </p:cNvSpPr>
+          <p:nvPr>
+            <p:ph type="title"/>
+          </p:nvPr>
+        </p:nvSpPr>
+        <p:spPr/>
+        <p:txBody>
+          <a:bodyPr/>
+          <a:lstStyle/>
+          <a:p>
+            <a:r>
+              <a:rPr kumimoji="1" lang="en-US" altLang="zh-CN" dirty="0" smtClean="0"/>
+              <a:t>view</a:t>
+            </a:r>
+            <a:r>
+              <a:rPr kumimoji="1" lang="zh-CN" altLang="en-US" dirty="0" smtClean="0"/>
+              <a:t>的生命周期</a:t>
+            </a:r>
+            <a:endParaRPr kumimoji="1" lang="zh-CN" altLang="en-US" dirty="0"/>
+          </a:p>
+        </p:txBody>
+      </p:sp>
+    </p:spTree>
+    <p:extLst>
+      <p:ext uri="{BB962C8B-B14F-4D97-AF65-F5344CB8AC3E}">
+        <p14:creationId xmlns:p14="http://schemas.microsoft.com/office/powerpoint/2010/main" val="89302410"/>
+      </p:ext>
+    </p:extLst>
+  </p:cSld>
+  <p:clrMapOvr>
+    <a:masterClrMapping/>
+  </p:clrMapOvr>
+</p:sld>
+</file>
+
+<file path=ppt/slides/slide13.xml><?xml version="1.0" encoding="utf-8"?>
+<p:sld xmlns:a="http://schemas.openxmlformats.org/drawingml/2006/main" xmlns:r="http://schemas.openxmlformats.org/officeDocument/2006/relationships" xmlns:p="http://schemas.openxmlformats.org/presentationml/2006/main">
+  <p:cSld>
+    <p:spTree>
+      <p:nvGrpSpPr>
+        <p:cNvPr id="1" name=""/>
+        <p:cNvGrpSpPr/>
+        <p:nvPr/>
+      </p:nvGrpSpPr>
+      <p:grpSpPr>
+        <a:xfrm>
+          <a:off x="0" y="0"/>
+          <a:ext cx="0" cy="0"/>
+          <a:chOff x="0" y="0"/>
+          <a:chExt cx="0" cy="0"/>
+        </a:xfrm>
+      </p:grpSpPr>
+      <p:sp>
+        <p:nvSpPr>
+          <p:cNvPr id="2" name="标题 1"/>
+          <p:cNvSpPr>
+            <a:spLocks noGrp="1"/>
+          </p:cNvSpPr>
+          <p:nvPr>
+            <p:ph type="title"/>
+          </p:nvPr>
+        </p:nvSpPr>
+        <p:spPr/>
+        <p:txBody>
+          <a:bodyPr/>
+          <a:lstStyle/>
+          <a:p>
+            <a:r>
+              <a:rPr kumimoji="1" lang="zh-CN" altLang="en-US" dirty="0" smtClean="0"/>
+              <a:t>扩展阅读</a:t>
+            </a:r>
+            <a:endParaRPr kumimoji="1" lang="zh-CN" altLang="en-US" dirty="0"/>
+          </a:p>
+        </p:txBody>
+      </p:sp>
+      <p:sp>
+        <p:nvSpPr>
+          <p:cNvPr id="3" name="内容占位符 2"/>
+          <p:cNvSpPr>
+            <a:spLocks noGrp="1"/>
+          </p:cNvSpPr>
+          <p:nvPr>
+            <p:ph idx="1"/>
+          </p:nvPr>
+        </p:nvSpPr>
+        <p:spPr/>
+        <p:txBody>
+          <a:bodyPr/>
+          <a:lstStyle/>
+          <a:p>
+            <a:pPr marL="0" indent="0">
+              <a:buNone/>
+            </a:pPr>
+            <a:r>
+              <a:rPr kumimoji="1" lang="zh-CN" altLang="en-US" dirty="0" smtClean="0"/>
+              <a:t>动态和静态语言类型：</a:t>
+            </a:r>
+            <a:r>
+              <a:rPr kumimoji="1" lang="en-US" altLang="zh-CN" dirty="0" smtClean="0">
+                <a:hlinkClick r:id="rId2"/>
+              </a:rPr>
+              <a:t>http://blog.csdn.net/hengshujiyi/article/details/40657549</a:t>
+            </a:r>
+            <a:endParaRPr kumimoji="1" lang="en-US" altLang="zh-CN" dirty="0" smtClean="0"/>
+          </a:p>
+          <a:p>
+            <a:pPr marL="0" indent="0">
+              <a:buNone/>
+            </a:pPr>
+            <a:r>
+              <a:rPr kumimoji="1" lang="zh-CN" altLang="en-US" dirty="0" smtClean="0"/>
+              <a:t>数据类型：</a:t>
+            </a:r>
+            <a:r>
+              <a:rPr kumimoji="1" lang="en-US" altLang="zh-CN" dirty="0" smtClean="0">
+                <a:hlinkClick r:id="rId3"/>
+              </a:rPr>
+              <a:t>http://ycool.com/post/</a:t>
+            </a:r>
+            <a:r>
+              <a:rPr kumimoji="1" lang="en-US" altLang="zh-CN" dirty="0" smtClean="0">
+                <a:hlinkClick r:id="rId3"/>
+              </a:rPr>
+              <a:t>mqm6a97</a:t>
+            </a:r>
+            <a:endParaRPr kumimoji="1" lang="en-US" altLang="zh-CN" dirty="0" smtClean="0"/>
+          </a:p>
+          <a:p>
+            <a:pPr marL="0" indent="0">
+              <a:buNone/>
+            </a:pPr>
+            <a:r>
+              <a:rPr kumimoji="1" lang="zh-CN" altLang="en-US" dirty="0" smtClean="0"/>
+              <a:t>应用程序的生命周期：</a:t>
+            </a:r>
+            <a:endParaRPr kumimoji="1" lang="en-US" altLang="zh-CN" dirty="0" smtClean="0"/>
+          </a:p>
+          <a:p>
+            <a:pPr marL="0" indent="0">
+              <a:buNone/>
+            </a:pPr>
+            <a:r>
+              <a:rPr kumimoji="1" lang="en-US" altLang="zh-CN" dirty="0" smtClean="0"/>
+              <a:t>http</a:t>
+            </a:r>
+            <a:r>
+              <a:rPr kumimoji="1" lang="en-US" altLang="zh-CN" dirty="0"/>
+              <a:t>://</a:t>
+            </a:r>
+            <a:r>
+              <a:rPr kumimoji="1" lang="en-US" altLang="zh-CN" dirty="0" err="1"/>
+              <a:t>duchengjiu.iteye.com</a:t>
+            </a:r>
+            <a:r>
+              <a:rPr kumimoji="1" lang="en-US" altLang="zh-CN" dirty="0"/>
+              <a:t>/blog/1867070</a:t>
+            </a:r>
+          </a:p>
+          <a:p>
+            <a:pPr marL="0" indent="0">
+              <a:buNone/>
+            </a:pPr>
+            <a:endParaRPr kumimoji="1" lang="en-US" altLang="zh-CN" dirty="0"/>
+          </a:p>
+          <a:p>
+            <a:pPr marL="0" indent="0">
+              <a:buNone/>
+            </a:pPr>
+            <a:endParaRPr kumimoji="1" lang="en-US" altLang="zh-CN" dirty="0" smtClean="0"/>
+          </a:p>
+          <a:p>
+            <a:pPr marL="0" indent="0">
+              <a:buNone/>
+            </a:pPr>
+            <a:endParaRPr kumimoji="1" lang="en-US" altLang="zh-CN" dirty="0" smtClean="0"/>
+          </a:p>
+          <a:p>
+            <a:pPr marL="0" indent="0">
+              <a:buNone/>
+            </a:pPr>
+            <a:endParaRPr kumimoji="1" lang="zh-CN" altLang="en-US" dirty="0"/>
+          </a:p>
+        </p:txBody>
+      </p:sp>
+    </p:spTree>
+    <p:extLst>
+      <p:ext uri="{BB962C8B-B14F-4D97-AF65-F5344CB8AC3E}">
+        <p14:creationId xmlns:p14="http://schemas.microsoft.com/office/powerpoint/2010/main" val="2400882548"/>
+      </p:ext>
+    </p:extLst>
+  </p:cSld>
+  <p:clrMapOvr>
+    <a:masterClrMapping/>
+  </p:clrMapOvr>
+</p:sld>
+</file>
+
 <file path=ppt/slides/slide2.xml><?xml version="1.0" encoding="utf-8"?>
 <p:sld xmlns:a="http://schemas.openxmlformats.org/drawingml/2006/main" xmlns:r="http://schemas.openxmlformats.org/officeDocument/2006/relationships" xmlns:p="http://schemas.openxmlformats.org/presentationml/2006/main">
   <p:cSld>
@@ -4069,81 +4608,175 @@
         </p:nvSpPr>
         <p:spPr/>
         <p:txBody>
-          <a:bodyPr/>
-          <a:lstStyle/>
-          <a:p>
-            <a:r>
-              <a:rPr kumimoji="1" lang="zh-CN" altLang="en-US" dirty="0" smtClean="0"/>
-              <a:t>扩展阅读</a:t>
-            </a:r>
+          <a:bodyPr>
+            <a:normAutofit/>
+          </a:bodyPr>
+          <a:lstStyle/>
+          <a:p>
             <a:endParaRPr kumimoji="1" lang="zh-CN" altLang="en-US" dirty="0"/>
           </a:p>
         </p:txBody>
       </p:sp>
       <p:sp>
         <p:nvSpPr>
-          <p:cNvPr id="3" name="内容占位符 2"/>
-          <p:cNvSpPr>
-            <a:spLocks noGrp="1"/>
-          </p:cNvSpPr>
-          <p:nvPr>
-            <p:ph idx="1"/>
-          </p:nvPr>
-        </p:nvSpPr>
-        <p:spPr/>
-        <p:txBody>
-          <a:bodyPr/>
-          <a:lstStyle/>
-          <a:p>
-            <a:pPr marL="0" indent="0">
-              <a:buNone/>
-            </a:pPr>
-            <a:r>
-              <a:rPr kumimoji="1" lang="zh-CN" altLang="en-US" dirty="0" smtClean="0"/>
-              <a:t>动态和静态语言类型：</a:t>
-            </a:r>
-            <a:r>
-              <a:rPr kumimoji="1" lang="en-US" altLang="zh-CN" dirty="0" smtClean="0">
-                <a:hlinkClick r:id="rId2"/>
-              </a:rPr>
-              <a:t>http://blog.csdn.net/hengshujiyi/article/details/40657549</a:t>
-            </a:r>
-            <a:endParaRPr kumimoji="1" lang="en-US" altLang="zh-CN" dirty="0" smtClean="0"/>
-          </a:p>
-          <a:p>
-            <a:pPr marL="0" indent="0">
-              <a:buNone/>
-            </a:pPr>
-            <a:r>
-              <a:rPr kumimoji="1" lang="zh-CN" altLang="en-US" dirty="0" smtClean="0"/>
-              <a:t>数据类型：</a:t>
-            </a:r>
-            <a:r>
-              <a:rPr kumimoji="1" lang="en-US" altLang="zh-CN" dirty="0" smtClean="0">
-                <a:hlinkClick r:id="rId3"/>
-              </a:rPr>
-              <a:t>http://ycool.com/post/mqm6a97</a:t>
-            </a:r>
-            <a:endParaRPr kumimoji="1" lang="en-US" altLang="zh-CN" dirty="0" smtClean="0"/>
-          </a:p>
-          <a:p>
-            <a:pPr marL="0" indent="0">
-              <a:buNone/>
-            </a:pPr>
-            <a:endParaRPr kumimoji="1" lang="en-US" altLang="zh-CN" dirty="0" smtClean="0"/>
-          </a:p>
-          <a:p>
-            <a:pPr marL="0" indent="0">
-              <a:buNone/>
-            </a:pPr>
-            <a:endParaRPr kumimoji="1" lang="zh-CN" altLang="en-US" dirty="0"/>
+          <p:cNvPr id="7" name="矩形 6"/>
+          <p:cNvSpPr/>
+          <p:nvPr/>
+        </p:nvSpPr>
+        <p:spPr>
+          <a:xfrm>
+            <a:off x="2286000" y="2828836"/>
+            <a:ext cx="4572000" cy="1200329"/>
+          </a:xfrm>
+          <a:prstGeom prst="rect">
+            <a:avLst/>
+          </a:prstGeom>
+        </p:spPr>
+        <p:txBody>
+          <a:bodyPr>
+            <a:spAutoFit/>
+          </a:bodyPr>
+          <a:lstStyle/>
+          <a:p>
+            <a:r>
+              <a:rPr lang="zh-CN" altLang="en-US" dirty="0"/>
+              <a:t>每一个</a:t>
+            </a:r>
+            <a:r>
+              <a:rPr lang="en-US" altLang="zh-CN" dirty="0"/>
+              <a:t>iPhone</a:t>
+            </a:r>
+            <a:r>
+              <a:rPr lang="zh-CN" altLang="en-US" dirty="0"/>
+              <a:t>程序都包含唯一一个</a:t>
+            </a:r>
+            <a:r>
+              <a:rPr lang="en-US" altLang="zh-CN" dirty="0" err="1"/>
+              <a:t>UIApplication</a:t>
+            </a:r>
+            <a:r>
+              <a:rPr lang="zh-CN" altLang="en-US" dirty="0"/>
+              <a:t>对象</a:t>
+            </a:r>
+            <a:r>
+              <a:rPr lang="en-US" altLang="zh-CN" dirty="0"/>
+              <a:t>,</a:t>
+            </a:r>
+            <a:r>
+              <a:rPr lang="zh-CN" altLang="en-US" dirty="0"/>
+              <a:t>它管理整个程序的生命周期，从加载第一个显示界面开始，并且监听系统事件、程序事件调度整个程序的执行。</a:t>
+            </a:r>
           </a:p>
         </p:txBody>
       </p:sp>
     </p:spTree>
     <p:extLst>
       <p:ext uri="{BB962C8B-B14F-4D97-AF65-F5344CB8AC3E}">
-        <p14:creationId xmlns:p14="http://schemas.microsoft.com/office/powerpoint/2010/main" val="2400882548"/>
+        <p14:creationId xmlns:p14="http://schemas.microsoft.com/office/powerpoint/2010/main" val="3548149751"/>
+      </p:ext>
+    </p:extLst>
+  </p:cSld>
+  <p:clrMapOvr>
+    <a:masterClrMapping/>
+  </p:clrMapOvr>
+</p:sld>
+</file>
+
+<file path=ppt/slides/slide9.xml><?xml version="1.0" encoding="utf-8"?>
+<p:sld xmlns:a="http://schemas.openxmlformats.org/drawingml/2006/main" xmlns:r="http://schemas.openxmlformats.org/officeDocument/2006/relationships" xmlns:p="http://schemas.openxmlformats.org/presentationml/2006/main">
+  <p:cSld>
+    <p:spTree>
+      <p:nvGrpSpPr>
+        <p:cNvPr id="1" name=""/>
+        <p:cNvGrpSpPr/>
+        <p:nvPr/>
+      </p:nvGrpSpPr>
+      <p:grpSpPr>
+        <a:xfrm>
+          <a:off x="0" y="0"/>
+          <a:ext cx="0" cy="0"/>
+          <a:chOff x="0" y="0"/>
+          <a:chExt cx="0" cy="0"/>
+        </a:xfrm>
+      </p:grpSpPr>
+      <p:sp>
+        <p:nvSpPr>
+          <p:cNvPr id="2" name="标题 1"/>
+          <p:cNvSpPr>
+            <a:spLocks noGrp="1"/>
+          </p:cNvSpPr>
+          <p:nvPr>
+            <p:ph type="title"/>
+          </p:nvPr>
+        </p:nvSpPr>
+        <p:spPr/>
+        <p:txBody>
+          <a:bodyPr/>
+          <a:lstStyle/>
+          <a:p>
+            <a:r>
+              <a:rPr kumimoji="1" lang="zh-CN" altLang="en-US" dirty="0"/>
+              <a:t>程序的生命周期</a:t>
+            </a:r>
+          </a:p>
+        </p:txBody>
+      </p:sp>
+      <p:sp>
+        <p:nvSpPr>
+          <p:cNvPr id="3" name="内容占位符 2"/>
+          <p:cNvSpPr>
+            <a:spLocks noGrp="1"/>
+          </p:cNvSpPr>
+          <p:nvPr>
+            <p:ph idx="1"/>
+          </p:nvPr>
+        </p:nvSpPr>
+        <p:spPr/>
+        <p:txBody>
+          <a:bodyPr/>
+          <a:lstStyle/>
+          <a:p>
+            <a:pPr marL="0" indent="0">
+              <a:buNone/>
+            </a:pPr>
+            <a:r>
+              <a:rPr lang="zh-CN" altLang="en-US" dirty="0"/>
+              <a:t>每一个</a:t>
+            </a:r>
+            <a:r>
+              <a:rPr lang="en-US" altLang="zh-CN" dirty="0"/>
+              <a:t>iPhone</a:t>
+            </a:r>
+            <a:r>
+              <a:rPr lang="zh-CN" altLang="en-US" dirty="0"/>
+              <a:t>程序都包含唯一一个</a:t>
+            </a:r>
+            <a:r>
+              <a:rPr lang="en-US" altLang="zh-CN" dirty="0" err="1"/>
+              <a:t>UIApplication</a:t>
+            </a:r>
+            <a:r>
+              <a:rPr lang="zh-CN" altLang="en-US" dirty="0"/>
+              <a:t>对象</a:t>
+            </a:r>
+            <a:r>
+              <a:rPr lang="en-US" altLang="zh-CN" dirty="0"/>
+              <a:t>,</a:t>
+            </a:r>
+            <a:r>
+              <a:rPr lang="zh-CN" altLang="en-US" dirty="0"/>
+              <a:t>它管理整个程序的生命周期，从加载第一个显示界面开始，并且监听系统事件、程序事件调度整个程序的执行。</a:t>
+            </a:r>
+          </a:p>
+          <a:p>
+            <a:endParaRPr kumimoji="1" lang="zh-CN" altLang="en-US" dirty="0"/>
+          </a:p>
+        </p:txBody>
+      </p:sp>
+    </p:spTree>
+    <p:extLst>
+      <p:ext uri="{BB962C8B-B14F-4D97-AF65-F5344CB8AC3E}">
+        <p14:creationId xmlns:p14="http://schemas.microsoft.com/office/powerpoint/2010/main" val="622258937"/>
       </p:ext>
     </p:extLst>
   </p:cSld>

--- a/CoursePPT/chap2_xcode介绍.pptx
+++ b/CoursePPT/chap2_xcode介绍.pptx
@@ -3201,6 +3201,13 @@
   <p:clrMapOvr>
     <a:masterClrMapping/>
   </p:clrMapOvr>
+  <p:timing>
+    <p:tnLst>
+      <p:par>
+        <p:cTn xmlns:p14="http://schemas.microsoft.com/office/powerpoint/2010/main" id="1" dur="indefinite" restart="never" nodeType="tmRoot"/>
+      </p:par>
+    </p:tnLst>
+  </p:timing>
 </p:sld>
 </file>
 
@@ -3314,6 +3321,13 @@
   <p:clrMapOvr>
     <a:masterClrMapping/>
   </p:clrMapOvr>
+  <p:timing>
+    <p:tnLst>
+      <p:par>
+        <p:cTn xmlns:p14="http://schemas.microsoft.com/office/powerpoint/2010/main" id="1" dur="indefinite" restart="never" nodeType="tmRoot"/>
+      </p:par>
+    </p:tnLst>
+  </p:timing>
 </p:sld>
 </file>
 
@@ -3417,6 +3431,13 @@
   <p:clrMapOvr>
     <a:masterClrMapping/>
   </p:clrMapOvr>
+  <p:timing>
+    <p:tnLst>
+      <p:par>
+        <p:cTn xmlns:p14="http://schemas.microsoft.com/office/powerpoint/2010/main" id="1" dur="indefinite" restart="never" nodeType="tmRoot"/>
+      </p:par>
+    </p:tnLst>
+  </p:timing>
 </p:sld>
 </file>
 
@@ -3548,6 +3569,13 @@
   <p:clrMapOvr>
     <a:masterClrMapping/>
   </p:clrMapOvr>
+  <p:timing>
+    <p:tnLst>
+      <p:par>
+        <p:cTn xmlns:p14="http://schemas.microsoft.com/office/powerpoint/2010/main" id="1" dur="indefinite" restart="never" nodeType="tmRoot"/>
+      </p:par>
+    </p:tnLst>
+  </p:timing>
 </p:sld>
 </file>
 
@@ -3790,6 +3818,13 @@
   <p:clrMapOvr>
     <a:masterClrMapping/>
   </p:clrMapOvr>
+  <p:timing>
+    <p:tnLst>
+      <p:par>
+        <p:cTn xmlns:p14="http://schemas.microsoft.com/office/powerpoint/2010/main" id="1" dur="indefinite" restart="never" nodeType="tmRoot"/>
+      </p:par>
+    </p:tnLst>
+  </p:timing>
 </p:sld>
 </file>
 
@@ -3900,6 +3935,13 @@
   <p:clrMapOvr>
     <a:masterClrMapping/>
   </p:clrMapOvr>
+  <p:timing>
+    <p:tnLst>
+      <p:par>
+        <p:cTn xmlns:p14="http://schemas.microsoft.com/office/powerpoint/2010/main" id="1" dur="indefinite" restart="never" nodeType="tmRoot"/>
+      </p:par>
+    </p:tnLst>
+  </p:timing>
 </p:sld>
 </file>
 
@@ -4004,6 +4046,13 @@
   <p:clrMapOvr>
     <a:masterClrMapping/>
   </p:clrMapOvr>
+  <p:timing>
+    <p:tnLst>
+      <p:par>
+        <p:cTn xmlns:p14="http://schemas.microsoft.com/office/powerpoint/2010/main" id="1" dur="indefinite" restart="never" nodeType="tmRoot"/>
+      </p:par>
+    </p:tnLst>
+  </p:timing>
 </p:sld>
 </file>
 
@@ -4122,7 +4171,15 @@
             </a:r>
             <a:r>
               <a:rPr kumimoji="1" lang="en-US" altLang="zh-CN" dirty="0" smtClean="0"/>
-              <a:t>(@”I Love Programming%@”,Susan);</a:t>
+              <a:t>(@”I Love Programming%@”</a:t>
+            </a:r>
+            <a:r>
+              <a:rPr kumimoji="1" lang="en-US" altLang="zh-CN" dirty="0" smtClean="0"/>
+              <a:t>,name)</a:t>
+            </a:r>
+            <a:r>
+              <a:rPr kumimoji="1" lang="en-US" altLang="zh-CN" dirty="0" smtClean="0"/>
+              <a:t>;</a:t>
             </a:r>
             <a:endParaRPr kumimoji="1" lang="zh-CN" altLang="en-US" dirty="0" smtClean="0"/>
           </a:p>
@@ -4152,6 +4209,13 @@
   <p:clrMapOvr>
     <a:masterClrMapping/>
   </p:clrMapOvr>
+  <p:timing>
+    <p:tnLst>
+      <p:par>
+        <p:cTn xmlns:p14="http://schemas.microsoft.com/office/powerpoint/2010/main" id="1" dur="indefinite" restart="never" nodeType="tmRoot"/>
+      </p:par>
+    </p:tnLst>
+  </p:timing>
 </p:sld>
 </file>
 
@@ -4224,6 +4288,13 @@
   <p:clrMapOvr>
     <a:masterClrMapping/>
   </p:clrMapOvr>
+  <p:timing>
+    <p:tnLst>
+      <p:par>
+        <p:cTn xmlns:p14="http://schemas.microsoft.com/office/powerpoint/2010/main" id="1" dur="indefinite" restart="never" nodeType="tmRoot"/>
+      </p:par>
+    </p:tnLst>
+  </p:timing>
 </p:sld>
 </file>
 
@@ -4300,6 +4371,13 @@
   <p:clrMapOvr>
     <a:masterClrMapping/>
   </p:clrMapOvr>
+  <p:timing>
+    <p:tnLst>
+      <p:par>
+        <p:cTn xmlns:p14="http://schemas.microsoft.com/office/powerpoint/2010/main" id="1" dur="indefinite" restart="never" nodeType="tmRoot"/>
+      </p:par>
+    </p:tnLst>
+  </p:timing>
 </p:sld>
 </file>
 
